--- a/Project/images/images.pptx
+++ b/Project/images/images.pptx
@@ -289,7 +289,7 @@
           <a:p>
             <a:fld id="{B4C71EC6-210F-42DE-9C53-41977AD35B3D}" type="datetimeFigureOut">
               <a:rPr lang="ru-RU" smtClean="0"/>
-              <a:t>17.02.2018</a:t>
+              <a:t>20.02.2018</a:t>
             </a:fld>
             <a:endParaRPr lang="ru-RU"/>
           </a:p>
@@ -454,7 +454,7 @@
           <a:p>
             <a:fld id="{B4C71EC6-210F-42DE-9C53-41977AD35B3D}" type="datetimeFigureOut">
               <a:rPr lang="ru-RU" smtClean="0"/>
-              <a:t>17.02.2018</a:t>
+              <a:t>20.02.2018</a:t>
             </a:fld>
             <a:endParaRPr lang="ru-RU"/>
           </a:p>
@@ -629,7 +629,7 @@
           <a:p>
             <a:fld id="{B4C71EC6-210F-42DE-9C53-41977AD35B3D}" type="datetimeFigureOut">
               <a:rPr lang="ru-RU" smtClean="0"/>
-              <a:t>17.02.2018</a:t>
+              <a:t>20.02.2018</a:t>
             </a:fld>
             <a:endParaRPr lang="ru-RU"/>
           </a:p>
@@ -794,7 +794,7 @@
           <a:p>
             <a:fld id="{B4C71EC6-210F-42DE-9C53-41977AD35B3D}" type="datetimeFigureOut">
               <a:rPr lang="ru-RU" smtClean="0"/>
-              <a:t>17.02.2018</a:t>
+              <a:t>20.02.2018</a:t>
             </a:fld>
             <a:endParaRPr lang="ru-RU"/>
           </a:p>
@@ -1035,7 +1035,7 @@
           <a:p>
             <a:fld id="{B4C71EC6-210F-42DE-9C53-41977AD35B3D}" type="datetimeFigureOut">
               <a:rPr lang="ru-RU" smtClean="0"/>
-              <a:t>17.02.2018</a:t>
+              <a:t>20.02.2018</a:t>
             </a:fld>
             <a:endParaRPr lang="ru-RU"/>
           </a:p>
@@ -1318,7 +1318,7 @@
           <a:p>
             <a:fld id="{B4C71EC6-210F-42DE-9C53-41977AD35B3D}" type="datetimeFigureOut">
               <a:rPr lang="ru-RU" smtClean="0"/>
-              <a:t>17.02.2018</a:t>
+              <a:t>20.02.2018</a:t>
             </a:fld>
             <a:endParaRPr lang="ru-RU"/>
           </a:p>
@@ -1735,7 +1735,7 @@
           <a:p>
             <a:fld id="{B4C71EC6-210F-42DE-9C53-41977AD35B3D}" type="datetimeFigureOut">
               <a:rPr lang="ru-RU" smtClean="0"/>
-              <a:t>17.02.2018</a:t>
+              <a:t>20.02.2018</a:t>
             </a:fld>
             <a:endParaRPr lang="ru-RU"/>
           </a:p>
@@ -1848,7 +1848,7 @@
           <a:p>
             <a:fld id="{B4C71EC6-210F-42DE-9C53-41977AD35B3D}" type="datetimeFigureOut">
               <a:rPr lang="ru-RU" smtClean="0"/>
-              <a:t>17.02.2018</a:t>
+              <a:t>20.02.2018</a:t>
             </a:fld>
             <a:endParaRPr lang="ru-RU"/>
           </a:p>
@@ -1938,7 +1938,7 @@
           <a:p>
             <a:fld id="{B4C71EC6-210F-42DE-9C53-41977AD35B3D}" type="datetimeFigureOut">
               <a:rPr lang="ru-RU" smtClean="0"/>
-              <a:t>17.02.2018</a:t>
+              <a:t>20.02.2018</a:t>
             </a:fld>
             <a:endParaRPr lang="ru-RU"/>
           </a:p>
@@ -2210,7 +2210,7 @@
           <a:p>
             <a:fld id="{B4C71EC6-210F-42DE-9C53-41977AD35B3D}" type="datetimeFigureOut">
               <a:rPr lang="ru-RU" smtClean="0"/>
-              <a:t>17.02.2018</a:t>
+              <a:t>20.02.2018</a:t>
             </a:fld>
             <a:endParaRPr lang="ru-RU"/>
           </a:p>
@@ -2458,7 +2458,7 @@
           <a:p>
             <a:fld id="{B4C71EC6-210F-42DE-9C53-41977AD35B3D}" type="datetimeFigureOut">
               <a:rPr lang="ru-RU" smtClean="0"/>
-              <a:t>17.02.2018</a:t>
+              <a:t>20.02.2018</a:t>
             </a:fld>
             <a:endParaRPr lang="ru-RU"/>
           </a:p>
@@ -2666,7 +2666,7 @@
           <a:p>
             <a:fld id="{B4C71EC6-210F-42DE-9C53-41977AD35B3D}" type="datetimeFigureOut">
               <a:rPr lang="ru-RU" smtClean="0"/>
-              <a:t>17.02.2018</a:t>
+              <a:t>20.02.2018</a:t>
             </a:fld>
             <a:endParaRPr lang="ru-RU"/>
           </a:p>
@@ -3197,6 +3197,47 @@
           </a:extLst>
         </p:spPr>
       </p:pic>
+      <p:pic>
+        <p:nvPicPr>
+          <p:cNvPr id="3" name="Picture 2" descr="C:\Users\Артем\Desktop\ArtemPilipenko\Project\images\cars\2\Car.png"/>
+          <p:cNvPicPr>
+            <a:picLocks noChangeAspect="1" noChangeArrowheads="1"/>
+          </p:cNvPicPr>
+          <p:nvPr/>
+        </p:nvPicPr>
+        <p:blipFill>
+          <a:blip r:embed="rId4" cstate="print">
+            <a:extLst>
+              <a:ext uri="{28A0092B-C50C-407E-A947-70E740481C1C}">
+                <a14:useLocalDpi xmlns:a14="http://schemas.microsoft.com/office/drawing/2010/main" val="0"/>
+              </a:ext>
+            </a:extLst>
+          </a:blip>
+          <a:srcRect/>
+          <a:stretch>
+            <a:fillRect/>
+          </a:stretch>
+        </p:blipFill>
+        <p:spPr bwMode="auto">
+          <a:xfrm>
+            <a:off x="2987824" y="4591964"/>
+            <a:ext cx="1008000" cy="389823"/>
+          </a:xfrm>
+          <a:prstGeom prst="rect">
+            <a:avLst/>
+          </a:prstGeom>
+          <a:noFill/>
+          <a:extLst>
+            <a:ext uri="{909E8E84-426E-40DD-AFC4-6F175D3DCCD1}">
+              <a14:hiddenFill xmlns:a14="http://schemas.microsoft.com/office/drawing/2010/main">
+                <a:solidFill>
+                  <a:srgbClr val="FFFFFF"/>
+                </a:solidFill>
+              </a14:hiddenFill>
+            </a:ext>
+          </a:extLst>
+        </p:spPr>
+      </p:pic>
     </p:spTree>
     <p:extLst>
       <p:ext uri="{BB962C8B-B14F-4D97-AF65-F5344CB8AC3E}">

--- a/Project/images/images.pptx
+++ b/Project/images/images.pptx
@@ -3238,6 +3238,281 @@
           </a:extLst>
         </p:spPr>
       </p:pic>
+      <p:pic>
+        <p:nvPicPr>
+          <p:cNvPr id="1030" name="Picture 6" descr="C:\Users\Артем\Desktop\1473941960-640558.png"/>
+          <p:cNvPicPr>
+            <a:picLocks noChangeAspect="1" noChangeArrowheads="1"/>
+          </p:cNvPicPr>
+          <p:nvPr/>
+        </p:nvPicPr>
+        <p:blipFill rotWithShape="1">
+          <a:blip r:embed="rId5" cstate="print">
+            <a:extLst>
+              <a:ext uri="{28A0092B-C50C-407E-A947-70E740481C1C}">
+                <a14:useLocalDpi xmlns:a14="http://schemas.microsoft.com/office/drawing/2010/main" val="0"/>
+              </a:ext>
+            </a:extLst>
+          </a:blip>
+          <a:srcRect t="25689" b="14952"/>
+          <a:stretch/>
+        </p:blipFill>
+        <p:spPr bwMode="auto">
+          <a:xfrm>
+            <a:off x="4031996" y="4634765"/>
+            <a:ext cx="1008000" cy="326370"/>
+          </a:xfrm>
+          <a:prstGeom prst="rect">
+            <a:avLst/>
+          </a:prstGeom>
+          <a:noFill/>
+          <a:extLst>
+            <a:ext uri="{909E8E84-426E-40DD-AFC4-6F175D3DCCD1}">
+              <a14:hiddenFill xmlns:a14="http://schemas.microsoft.com/office/drawing/2010/main">
+                <a:solidFill>
+                  <a:srgbClr val="FFFFFF"/>
+                </a:solidFill>
+              </a14:hiddenFill>
+            </a:ext>
+          </a:extLst>
+        </p:spPr>
+      </p:pic>
+      <p:pic>
+        <p:nvPicPr>
+          <p:cNvPr id="1032" name="Picture 8" descr="C:\Users\Артем\Desktop\Yeni-Mazda-6-Uzunluk-800x450.png"/>
+          <p:cNvPicPr>
+            <a:picLocks noChangeAspect="1" noChangeArrowheads="1"/>
+          </p:cNvPicPr>
+          <p:nvPr/>
+        </p:nvPicPr>
+        <p:blipFill>
+          <a:blip r:embed="rId6" cstate="print">
+            <a:extLst>
+              <a:ext uri="{28A0092B-C50C-407E-A947-70E740481C1C}">
+                <a14:useLocalDpi xmlns:a14="http://schemas.microsoft.com/office/drawing/2010/main" val="0"/>
+              </a:ext>
+            </a:extLst>
+          </a:blip>
+          <a:srcRect/>
+          <a:stretch>
+            <a:fillRect/>
+          </a:stretch>
+        </p:blipFill>
+        <p:spPr bwMode="auto">
+          <a:xfrm flipH="1">
+            <a:off x="5220072" y="4480205"/>
+            <a:ext cx="1008000" cy="613340"/>
+          </a:xfrm>
+          <a:prstGeom prst="rect">
+            <a:avLst/>
+          </a:prstGeom>
+          <a:noFill/>
+          <a:extLst>
+            <a:ext uri="{909E8E84-426E-40DD-AFC4-6F175D3DCCD1}">
+              <a14:hiddenFill xmlns:a14="http://schemas.microsoft.com/office/drawing/2010/main">
+                <a:solidFill>
+                  <a:srgbClr val="FFFFFF"/>
+                </a:solidFill>
+              </a14:hiddenFill>
+            </a:ext>
+          </a:extLst>
+        </p:spPr>
+      </p:pic>
+      <p:pic>
+        <p:nvPicPr>
+          <p:cNvPr id="1033" name="Picture 9" descr="C:\Users\Артем\Desktop\r8.size.h236.png"/>
+          <p:cNvPicPr>
+            <a:picLocks noChangeAspect="1" noChangeArrowheads="1"/>
+          </p:cNvPicPr>
+          <p:nvPr/>
+        </p:nvPicPr>
+        <p:blipFill>
+          <a:blip r:embed="rId7" cstate="print">
+            <a:extLst>
+              <a:ext uri="{28A0092B-C50C-407E-A947-70E740481C1C}">
+                <a14:useLocalDpi xmlns:a14="http://schemas.microsoft.com/office/drawing/2010/main" val="0"/>
+              </a:ext>
+            </a:extLst>
+          </a:blip>
+          <a:srcRect/>
+          <a:stretch>
+            <a:fillRect/>
+          </a:stretch>
+        </p:blipFill>
+        <p:spPr bwMode="auto">
+          <a:xfrm flipH="1">
+            <a:off x="6300977" y="4490254"/>
+            <a:ext cx="1141830" cy="508880"/>
+          </a:xfrm>
+          <a:prstGeom prst="rect">
+            <a:avLst/>
+          </a:prstGeom>
+          <a:noFill/>
+          <a:extLst>
+            <a:ext uri="{909E8E84-426E-40DD-AFC4-6F175D3DCCD1}">
+              <a14:hiddenFill xmlns:a14="http://schemas.microsoft.com/office/drawing/2010/main">
+                <a:solidFill>
+                  <a:srgbClr val="FFFFFF"/>
+                </a:solidFill>
+              </a14:hiddenFill>
+            </a:ext>
+          </a:extLst>
+        </p:spPr>
+      </p:pic>
+      <p:pic>
+        <p:nvPicPr>
+          <p:cNvPr id="1034" name="Picture 10" descr="C:\Users\Артем\Desktop\1454769532136387351.jpg"/>
+          <p:cNvPicPr>
+            <a:picLocks noChangeAspect="1" noChangeArrowheads="1"/>
+          </p:cNvPicPr>
+          <p:nvPr/>
+        </p:nvPicPr>
+        <p:blipFill>
+          <a:blip r:embed="rId8" cstate="print">
+            <a:extLst>
+              <a:ext uri="{BEBA8EAE-BF5A-486C-A8C5-ECC9F3942E4B}">
+                <a14:imgProps xmlns:a14="http://schemas.microsoft.com/office/drawing/2010/main">
+                  <a14:imgLayer r:embed="rId9">
+                    <a14:imgEffect>
+                      <a14:backgroundRemoval t="9800" b="97550" l="0" r="100000"/>
+                    </a14:imgEffect>
+                  </a14:imgLayer>
+                </a14:imgProps>
+              </a:ext>
+              <a:ext uri="{28A0092B-C50C-407E-A947-70E740481C1C}">
+                <a14:useLocalDpi xmlns:a14="http://schemas.microsoft.com/office/drawing/2010/main" val="0"/>
+              </a:ext>
+            </a:extLst>
+          </a:blip>
+          <a:srcRect/>
+          <a:stretch>
+            <a:fillRect/>
+          </a:stretch>
+        </p:blipFill>
+        <p:spPr bwMode="auto">
+          <a:xfrm>
+            <a:off x="7380312" y="4234356"/>
+            <a:ext cx="1008000" cy="754319"/>
+          </a:xfrm>
+          <a:prstGeom prst="rect">
+            <a:avLst/>
+          </a:prstGeom>
+          <a:noFill/>
+          <a:extLst>
+            <a:ext uri="{909E8E84-426E-40DD-AFC4-6F175D3DCCD1}">
+              <a14:hiddenFill xmlns:a14="http://schemas.microsoft.com/office/drawing/2010/main">
+                <a:solidFill>
+                  <a:srgbClr val="FFFFFF"/>
+                </a:solidFill>
+              </a14:hiddenFill>
+            </a:ext>
+          </a:extLst>
+        </p:spPr>
+      </p:pic>
+      <p:pic>
+        <p:nvPicPr>
+          <p:cNvPr id="1037" name="Picture 13" descr="C:\Users\Артем\Desktop\land-rover-defender-lrv_def_09_hardtop110_1.jpg"/>
+          <p:cNvPicPr>
+            <a:picLocks noChangeAspect="1" noChangeArrowheads="1"/>
+          </p:cNvPicPr>
+          <p:nvPr/>
+        </p:nvPicPr>
+        <p:blipFill>
+          <a:blip r:embed="rId10" cstate="print">
+            <a:extLst>
+              <a:ext uri="{BEBA8EAE-BF5A-486C-A8C5-ECC9F3942E4B}">
+                <a14:imgProps xmlns:a14="http://schemas.microsoft.com/office/drawing/2010/main">
+                  <a14:imgLayer r:embed="rId11">
+                    <a14:imgEffect>
+                      <a14:backgroundRemoval t="8333" b="88333" l="2381" r="95873"/>
+                    </a14:imgEffect>
+                  </a14:imgLayer>
+                </a14:imgProps>
+              </a:ext>
+              <a:ext uri="{28A0092B-C50C-407E-A947-70E740481C1C}">
+                <a14:useLocalDpi xmlns:a14="http://schemas.microsoft.com/office/drawing/2010/main" val="0"/>
+              </a:ext>
+            </a:extLst>
+          </a:blip>
+          <a:srcRect/>
+          <a:stretch>
+            <a:fillRect/>
+          </a:stretch>
+        </p:blipFill>
+        <p:spPr bwMode="auto">
+          <a:xfrm>
+            <a:off x="8460432" y="4289135"/>
+            <a:ext cx="1008000" cy="672000"/>
+          </a:xfrm>
+          <a:prstGeom prst="rect">
+            <a:avLst/>
+          </a:prstGeom>
+          <a:noFill/>
+          <a:extLst>
+            <a:ext uri="{909E8E84-426E-40DD-AFC4-6F175D3DCCD1}">
+              <a14:hiddenFill xmlns:a14="http://schemas.microsoft.com/office/drawing/2010/main">
+                <a:solidFill>
+                  <a:srgbClr val="FFFFFF"/>
+                </a:solidFill>
+              </a14:hiddenFill>
+            </a:ext>
+          </a:extLst>
+        </p:spPr>
+      </p:pic>
+      <p:pic>
+        <p:nvPicPr>
+          <p:cNvPr id="1039" name="Picture 15" descr="C:\Users\Артем\Desktop\1251303253_vector-cars-70.jpg"/>
+          <p:cNvPicPr>
+            <a:picLocks noChangeAspect="1" noChangeArrowheads="1"/>
+          </p:cNvPicPr>
+          <p:nvPr/>
+        </p:nvPicPr>
+        <p:blipFill>
+          <a:blip r:embed="rId12" cstate="print">
+            <a:extLst>
+              <a:ext uri="{BEBA8EAE-BF5A-486C-A8C5-ECC9F3942E4B}">
+                <a14:imgProps xmlns:a14="http://schemas.microsoft.com/office/drawing/2010/main">
+                  <a14:imgLayer r:embed="rId13">
+                    <a14:imgEffect>
+                      <a14:backgroundRemoval t="10000" b="90000" l="2865" r="100000">
+                        <a14:foregroundMark x1="70156" y1="45583" x2="70156" y2="45583"/>
+                        <a14:foregroundMark x1="77292" y1="42333" x2="77292" y2="42333"/>
+                        <a14:foregroundMark x1="63490" y1="43083" x2="63490" y2="43083"/>
+                      </a14:backgroundRemoval>
+                    </a14:imgEffect>
+                  </a14:imgLayer>
+                </a14:imgProps>
+              </a:ext>
+              <a:ext uri="{28A0092B-C50C-407E-A947-70E740481C1C}">
+                <a14:useLocalDpi xmlns:a14="http://schemas.microsoft.com/office/drawing/2010/main" val="0"/>
+              </a:ext>
+            </a:extLst>
+          </a:blip>
+          <a:srcRect/>
+          <a:stretch>
+            <a:fillRect/>
+          </a:stretch>
+        </p:blipFill>
+        <p:spPr bwMode="auto">
+          <a:xfrm>
+            <a:off x="9392760" y="4347468"/>
+            <a:ext cx="1159680" cy="724800"/>
+          </a:xfrm>
+          <a:prstGeom prst="rect">
+            <a:avLst/>
+          </a:prstGeom>
+          <a:noFill/>
+          <a:extLst>
+            <a:ext uri="{909E8E84-426E-40DD-AFC4-6F175D3DCCD1}">
+              <a14:hiddenFill xmlns:a14="http://schemas.microsoft.com/office/drawing/2010/main">
+                <a:solidFill>
+                  <a:srgbClr val="FFFFFF"/>
+                </a:solidFill>
+              </a14:hiddenFill>
+            </a:ext>
+          </a:extLst>
+        </p:spPr>
+      </p:pic>
     </p:spTree>
     <p:extLst>
       <p:ext uri="{BB962C8B-B14F-4D97-AF65-F5344CB8AC3E}">
